--- a/images/Logo.pptx
+++ b/images/Logo.pptx
@@ -243,7 +243,7 @@
           <a:p>
             <a:fld id="{9BF3C8CA-B795-4823-B2B8-2EA9BB7C921C}" type="datetimeFigureOut">
               <a:rPr lang="en-US" smtClean="0"/>
-              <a:t>12/4/2021</a:t>
+              <a:t>12/8/2021</a:t>
             </a:fld>
             <a:endParaRPr lang="en-US"/>
           </a:p>
@@ -413,7 +413,7 @@
           <a:p>
             <a:fld id="{9BF3C8CA-B795-4823-B2B8-2EA9BB7C921C}" type="datetimeFigureOut">
               <a:rPr lang="en-US" smtClean="0"/>
-              <a:t>12/4/2021</a:t>
+              <a:t>12/8/2021</a:t>
             </a:fld>
             <a:endParaRPr lang="en-US"/>
           </a:p>
@@ -593,7 +593,7 @@
           <a:p>
             <a:fld id="{9BF3C8CA-B795-4823-B2B8-2EA9BB7C921C}" type="datetimeFigureOut">
               <a:rPr lang="en-US" smtClean="0"/>
-              <a:t>12/4/2021</a:t>
+              <a:t>12/8/2021</a:t>
             </a:fld>
             <a:endParaRPr lang="en-US"/>
           </a:p>
@@ -763,7 +763,7 @@
           <a:p>
             <a:fld id="{9BF3C8CA-B795-4823-B2B8-2EA9BB7C921C}" type="datetimeFigureOut">
               <a:rPr lang="en-US" smtClean="0"/>
-              <a:t>12/4/2021</a:t>
+              <a:t>12/8/2021</a:t>
             </a:fld>
             <a:endParaRPr lang="en-US"/>
           </a:p>
@@ -1009,7 +1009,7 @@
           <a:p>
             <a:fld id="{9BF3C8CA-B795-4823-B2B8-2EA9BB7C921C}" type="datetimeFigureOut">
               <a:rPr lang="en-US" smtClean="0"/>
-              <a:t>12/4/2021</a:t>
+              <a:t>12/8/2021</a:t>
             </a:fld>
             <a:endParaRPr lang="en-US"/>
           </a:p>
@@ -1241,7 +1241,7 @@
           <a:p>
             <a:fld id="{9BF3C8CA-B795-4823-B2B8-2EA9BB7C921C}" type="datetimeFigureOut">
               <a:rPr lang="en-US" smtClean="0"/>
-              <a:t>12/4/2021</a:t>
+              <a:t>12/8/2021</a:t>
             </a:fld>
             <a:endParaRPr lang="en-US"/>
           </a:p>
@@ -1608,7 +1608,7 @@
           <a:p>
             <a:fld id="{9BF3C8CA-B795-4823-B2B8-2EA9BB7C921C}" type="datetimeFigureOut">
               <a:rPr lang="en-US" smtClean="0"/>
-              <a:t>12/4/2021</a:t>
+              <a:t>12/8/2021</a:t>
             </a:fld>
             <a:endParaRPr lang="en-US"/>
           </a:p>
@@ -1726,7 +1726,7 @@
           <a:p>
             <a:fld id="{9BF3C8CA-B795-4823-B2B8-2EA9BB7C921C}" type="datetimeFigureOut">
               <a:rPr lang="en-US" smtClean="0"/>
-              <a:t>12/4/2021</a:t>
+              <a:t>12/8/2021</a:t>
             </a:fld>
             <a:endParaRPr lang="en-US"/>
           </a:p>
@@ -1821,7 +1821,7 @@
           <a:p>
             <a:fld id="{9BF3C8CA-B795-4823-B2B8-2EA9BB7C921C}" type="datetimeFigureOut">
               <a:rPr lang="en-US" smtClean="0"/>
-              <a:t>12/4/2021</a:t>
+              <a:t>12/8/2021</a:t>
             </a:fld>
             <a:endParaRPr lang="en-US"/>
           </a:p>
@@ -2098,7 +2098,7 @@
           <a:p>
             <a:fld id="{9BF3C8CA-B795-4823-B2B8-2EA9BB7C921C}" type="datetimeFigureOut">
               <a:rPr lang="en-US" smtClean="0"/>
-              <a:t>12/4/2021</a:t>
+              <a:t>12/8/2021</a:t>
             </a:fld>
             <a:endParaRPr lang="en-US"/>
           </a:p>
@@ -2351,7 +2351,7 @@
           <a:p>
             <a:fld id="{9BF3C8CA-B795-4823-B2B8-2EA9BB7C921C}" type="datetimeFigureOut">
               <a:rPr lang="en-US" smtClean="0"/>
-              <a:t>12/4/2021</a:t>
+              <a:t>12/8/2021</a:t>
             </a:fld>
             <a:endParaRPr lang="en-US"/>
           </a:p>
@@ -2564,7 +2564,7 @@
           <a:p>
             <a:fld id="{9BF3C8CA-B795-4823-B2B8-2EA9BB7C921C}" type="datetimeFigureOut">
               <a:rPr lang="en-US" smtClean="0"/>
-              <a:t>12/4/2021</a:t>
+              <a:t>12/8/2021</a:t>
             </a:fld>
             <a:endParaRPr lang="en-US"/>
           </a:p>
@@ -2984,6 +2984,9 @@
             <a:off x="1524000" y="2543695"/>
             <a:ext cx="3646516" cy="966268"/>
           </a:xfrm>
+          <a:solidFill>
+            <a:schemeClr val="bg1"/>
+          </a:solidFill>
         </p:spPr>
         <p:txBody>
           <a:bodyPr/>
